--- a/Bangkok Vs.pptx
+++ b/Bangkok Vs.pptx
@@ -12,7 +12,7 @@
     <p:sldId id="260" r:id="rId6"/>
   </p:sldIdLst>
   <p:sldSz cx="12192000" cy="6858000"/>
-  <p:notesSz cx="6858000" cy="9144000"/>
+  <p:notesSz cx="7102475" cy="9388475"/>
   <p:defaultTextStyle>
     <a:defPPr>
       <a:defRPr lang="en-US"/>
@@ -108,6 +108,11 @@
       </a:defRPr>
     </a:lvl9pPr>
   </p:defaultTextStyle>
+  <p:extLst>
+    <p:ext uri="{EFAFB233-063F-42B5-8137-9DF3F51BA10A}">
+      <p15:sldGuideLst xmlns:p15="http://schemas.microsoft.com/office/powerpoint/2012/main"/>
+    </p:ext>
+  </p:extLst>
 </p:presentation>
 </file>
 
@@ -1653,28 +1658,28 @@
         </p:spPr>
         <p:txBody>
           <a:bodyPr>
-            <a:normAutofit/>
+            <a:normAutofit lnSpcReduction="10000"/>
           </a:bodyPr>
           <a:lstStyle/>
           <a:p>
             <a:r>
-              <a:rPr lang="en-US" sz="1100" dirty="0"/>
+              <a:rPr lang="en-US" sz="1400" dirty="0"/>
               <a:t>For this project I have chosen to query a data from two data set which are </a:t>
             </a:r>
             <a:r>
-              <a:rPr lang="en-US" sz="1100" dirty="0" err="1"/>
+              <a:rPr lang="en-US" sz="1400" dirty="0" err="1"/>
               <a:t>city_data</a:t>
             </a:r>
             <a:r>
-              <a:rPr lang="en-US" sz="1100" dirty="0"/>
+              <a:rPr lang="en-US" sz="1400" dirty="0"/>
               <a:t> and </a:t>
             </a:r>
             <a:r>
-              <a:rPr lang="en-US" sz="1100" dirty="0" err="1"/>
+              <a:rPr lang="en-US" sz="1400" dirty="0" err="1"/>
               <a:t>global_data</a:t>
             </a:r>
             <a:r>
-              <a:rPr lang="en-US" sz="1100" dirty="0"/>
+              <a:rPr lang="en-US" sz="1400" dirty="0"/>
               <a:t> where I selected column as from the picture and perform an inner join so that the year on both data set are a match. </a:t>
             </a:r>
           </a:p>
@@ -1768,6 +1773,168 @@
           <a:chExt cx="0" cy="0"/>
         </a:xfrm>
       </p:grpSpPr>
+      <p:sp useBgFill="1">
+        <p:nvSpPr>
+          <p:cNvPr id="25" name="Rectangle 10">
+            <a:extLst>
+              <a:ext uri="{FF2B5EF4-FFF2-40B4-BE49-F238E27FC236}">
+                <a16:creationId xmlns:a16="http://schemas.microsoft.com/office/drawing/2014/main" id="{88263A24-0C1F-4677-B43C-4AE14E276B27}"/>
+              </a:ext>
+              <a:ext uri="{C183D7F6-B498-43B3-948B-1728B52AA6E4}">
+                <adec:decorative xmlns:adec="http://schemas.microsoft.com/office/drawing/2017/decorative" val="1"/>
+              </a:ext>
+            </a:extLst>
+          </p:cNvPr>
+          <p:cNvSpPr>
+            <a:spLocks noGrp="1" noRot="1" noChangeAspect="1" noMove="1" noResize="1" noEditPoints="1" noAdjustHandles="1" noChangeArrowheads="1" noChangeShapeType="1" noTextEdit="1"/>
+          </p:cNvSpPr>
+          <p:nvPr>
+            <p:extLst>
+              <p:ext uri="{386F3935-93C4-4BCD-93E2-E3B085C9AB24}">
+                <p16:designElem xmlns:p16="http://schemas.microsoft.com/office/powerpoint/2015/main" val="1"/>
+              </p:ext>
+            </p:extLst>
+          </p:nvPr>
+        </p:nvSpPr>
+        <p:spPr>
+          <a:xfrm>
+            <a:off x="0" y="0"/>
+            <a:ext cx="12192000" cy="6858000"/>
+          </a:xfrm>
+          <a:prstGeom prst="rect">
+            <a:avLst/>
+          </a:prstGeom>
+          <a:ln>
+            <a:noFill/>
+          </a:ln>
+        </p:spPr>
+        <p:style>
+          <a:lnRef idx="2">
+            <a:schemeClr val="accent1">
+              <a:shade val="50000"/>
+            </a:schemeClr>
+          </a:lnRef>
+          <a:fillRef idx="1">
+            <a:schemeClr val="accent1"/>
+          </a:fillRef>
+          <a:effectRef idx="0">
+            <a:schemeClr val="accent1"/>
+          </a:effectRef>
+          <a:fontRef idx="minor">
+            <a:schemeClr val="lt1"/>
+          </a:fontRef>
+        </p:style>
+        <p:txBody>
+          <a:bodyPr rtlCol="0" anchor="ctr"/>
+          <a:lstStyle/>
+          <a:p>
+            <a:pPr algn="ctr"/>
+            <a:endParaRPr lang="en-US"/>
+          </a:p>
+        </p:txBody>
+      </p:sp>
+      <p:sp useBgFill="1">
+        <p:nvSpPr>
+          <p:cNvPr id="26" name="Rectangle 12">
+            <a:extLst>
+              <a:ext uri="{FF2B5EF4-FFF2-40B4-BE49-F238E27FC236}">
+                <a16:creationId xmlns:a16="http://schemas.microsoft.com/office/drawing/2014/main" id="{0ADDB668-2CA4-4D2B-9C34-3487CA330BA8}"/>
+              </a:ext>
+              <a:ext uri="{C183D7F6-B498-43B3-948B-1728B52AA6E4}">
+                <adec:decorative xmlns:adec="http://schemas.microsoft.com/office/drawing/2017/decorative" val="1"/>
+              </a:ext>
+            </a:extLst>
+          </p:cNvPr>
+          <p:cNvSpPr>
+            <a:spLocks noGrp="1" noRot="1" noChangeAspect="1" noMove="1" noResize="1" noEditPoints="1" noAdjustHandles="1" noChangeArrowheads="1" noChangeShapeType="1" noTextEdit="1"/>
+          </p:cNvSpPr>
+          <p:nvPr>
+            <p:extLst>
+              <p:ext uri="{386F3935-93C4-4BCD-93E2-E3B085C9AB24}">
+                <p16:designElem xmlns:p16="http://schemas.microsoft.com/office/powerpoint/2015/main" val="1"/>
+              </p:ext>
+            </p:extLst>
+          </p:nvPr>
+        </p:nvSpPr>
+        <p:spPr>
+          <a:xfrm>
+            <a:off x="551553" y="304802"/>
+            <a:ext cx="11097349" cy="1573149"/>
+          </a:xfrm>
+          <a:prstGeom prst="rect">
+            <a:avLst/>
+          </a:prstGeom>
+          <a:ln w="12700">
+            <a:solidFill>
+              <a:schemeClr val="tx2">
+                <a:lumMod val="10000"/>
+                <a:lumOff val="90000"/>
+              </a:schemeClr>
+            </a:solidFill>
+          </a:ln>
+          <a:effectLst>
+            <a:outerShdw blurRad="50800" dist="38100" dir="2700000" algn="tl" rotWithShape="0">
+              <a:schemeClr val="bg2">
+                <a:lumMod val="85000"/>
+                <a:alpha val="30000"/>
+              </a:schemeClr>
+            </a:outerShdw>
+          </a:effectLst>
+        </p:spPr>
+        <p:style>
+          <a:lnRef idx="2">
+            <a:schemeClr val="accent1">
+              <a:shade val="50000"/>
+            </a:schemeClr>
+          </a:lnRef>
+          <a:fillRef idx="1">
+            <a:schemeClr val="accent1"/>
+          </a:fillRef>
+          <a:effectRef idx="0">
+            <a:schemeClr val="accent1"/>
+          </a:effectRef>
+          <a:fontRef idx="minor">
+            <a:schemeClr val="lt1"/>
+          </a:fontRef>
+        </p:style>
+        <p:txBody>
+          <a:bodyPr rtlCol="0" anchor="ctr"/>
+          <a:lstStyle/>
+          <a:p>
+            <a:pPr marL="0" marR="0" lvl="0" indent="0" algn="ctr" defTabSz="914400" rtl="0" eaLnBrk="1" fontAlgn="auto" latinLnBrk="0" hangingPunct="1">
+              <a:lnSpc>
+                <a:spcPct val="100000"/>
+              </a:lnSpc>
+              <a:spcBef>
+                <a:spcPts val="0"/>
+              </a:spcBef>
+              <a:spcAft>
+                <a:spcPts val="0"/>
+              </a:spcAft>
+              <a:buClrTx/>
+              <a:buSzTx/>
+              <a:buFontTx/>
+              <a:buNone/>
+              <a:tabLst/>
+              <a:defRPr/>
+            </a:pPr>
+            <a:endParaRPr kumimoji="0" lang="en-US" sz="1800" b="0" i="0" u="none" strike="noStrike" kern="1200" cap="none" spc="0" normalizeH="0" baseline="0" noProof="0">
+              <a:ln>
+                <a:noFill/>
+              </a:ln>
+              <a:solidFill>
+                <a:prstClr val="white"/>
+              </a:solidFill>
+              <a:effectLst/>
+              <a:uLnTx/>
+              <a:uFillTx/>
+              <a:latin typeface="Calibri" panose="020F0502020204030204"/>
+              <a:ea typeface="+mn-ea"/>
+              <a:cs typeface="+mn-cs"/>
+            </a:endParaRPr>
+          </a:p>
+        </p:txBody>
+      </p:sp>
       <p:sp>
         <p:nvSpPr>
           <p:cNvPr id="2" name="Title 1">
@@ -1786,34 +1953,33 @@
         </p:nvSpPr>
         <p:spPr>
           <a:xfrm>
-            <a:off x="477981" y="1122363"/>
-            <a:ext cx="4023360" cy="3204134"/>
+            <a:off x="868680" y="405575"/>
+            <a:ext cx="5001768" cy="1371600"/>
           </a:xfrm>
         </p:spPr>
         <p:txBody>
-          <a:bodyPr anchor="b">
-            <a:normAutofit fontScale="90000"/>
+          <a:bodyPr anchor="ctr">
+            <a:normAutofit/>
           </a:bodyPr>
           <a:lstStyle/>
           <a:p>
-            <a:pPr algn="ctr"/>
             <a:br>
-              <a:rPr lang="en-US" sz="4400" dirty="0"/>
+              <a:rPr lang="en-US" sz="1700"/>
             </a:br>
             <a:br>
-              <a:rPr lang="en-US" sz="4400" dirty="0"/>
+              <a:rPr lang="en-US" sz="1700"/>
             </a:br>
             <a:r>
-              <a:rPr lang="en-US" sz="4400" dirty="0"/>
+              <a:rPr lang="en-US" sz="1700"/>
               <a:t>Data manipulating</a:t>
             </a:r>
             <a:br>
-              <a:rPr lang="en-US" sz="4400" dirty="0"/>
+              <a:rPr lang="en-US" sz="1700"/>
             </a:br>
             <a:br>
-              <a:rPr lang="en-US" sz="4400" dirty="0"/>
+              <a:rPr lang="en-US" sz="1700"/>
             </a:br>
-            <a:endParaRPr lang="en-US" sz="4400" dirty="0"/>
+            <a:endParaRPr lang="en-US" sz="1700"/>
           </a:p>
         </p:txBody>
       </p:sp>
@@ -1835,20 +2001,213 @@
         </p:nvSpPr>
         <p:spPr>
           <a:xfrm>
-            <a:off x="477981" y="4872922"/>
-            <a:ext cx="3933306" cy="1208141"/>
+            <a:off x="6382512" y="498698"/>
+            <a:ext cx="4940808" cy="1185353"/>
           </a:xfrm>
         </p:spPr>
         <p:txBody>
-          <a:bodyPr>
-            <a:normAutofit/>
+          <a:bodyPr anchor="ctr">
+            <a:normAutofit fontScale="92500" lnSpcReduction="10000"/>
           </a:bodyPr>
           <a:lstStyle/>
           <a:p>
+            <a:pPr>
+              <a:lnSpc>
+                <a:spcPct val="100000"/>
+              </a:lnSpc>
+            </a:pPr>
             <a:r>
-              <a:rPr lang="en-US" sz="1100" dirty="0"/>
-              <a:t>In this process I have calculated 7 years moving averages for both Bangkok and Global Temperature on Excel.  </a:t>
+              <a:rPr lang="en-US" sz="1400" dirty="0"/>
+              <a:t>In this process I have calculated 7 years moving averages for both Bangkok and Global Temperature on Excel. To calculate for MA, I basically use the build-in Average function on excel and selected seven years average temperature and keep doing this till the end of the row. I’m applying the same method for the 7 years MA global temperature.    </a:t>
             </a:r>
+          </a:p>
+        </p:txBody>
+      </p:sp>
+      <p:sp>
+        <p:nvSpPr>
+          <p:cNvPr id="27" name="Rectangle 14">
+            <a:extLst>
+              <a:ext uri="{FF2B5EF4-FFF2-40B4-BE49-F238E27FC236}">
+                <a16:creationId xmlns:a16="http://schemas.microsoft.com/office/drawing/2014/main" id="{2568BC19-F052-4108-93E1-6A3D1DEC072F}"/>
+              </a:ext>
+              <a:ext uri="{C183D7F6-B498-43B3-948B-1728B52AA6E4}">
+                <adec:decorative xmlns:adec="http://schemas.microsoft.com/office/drawing/2017/decorative" val="1"/>
+              </a:ext>
+            </a:extLst>
+          </p:cNvPr>
+          <p:cNvSpPr>
+            <a:spLocks noGrp="1" noRot="1" noChangeAspect="1" noMove="1" noResize="1" noEditPoints="1" noAdjustHandles="1" noChangeArrowheads="1" noChangeShapeType="1" noTextEdit="1"/>
+          </p:cNvSpPr>
+          <p:nvPr>
+            <p:extLst>
+              <p:ext uri="{386F3935-93C4-4BCD-93E2-E3B085C9AB24}">
+                <p16:designElem xmlns:p16="http://schemas.microsoft.com/office/powerpoint/2015/main" val="1"/>
+              </p:ext>
+            </p:extLst>
+          </p:nvPr>
+        </p:nvSpPr>
+        <p:spPr>
+          <a:xfrm>
+            <a:off x="494784" y="764424"/>
+            <a:ext cx="128016" cy="653903"/>
+          </a:xfrm>
+          <a:prstGeom prst="rect">
+            <a:avLst/>
+          </a:prstGeom>
+          <a:solidFill>
+            <a:schemeClr val="accent1"/>
+          </a:solidFill>
+          <a:ln>
+            <a:noFill/>
+          </a:ln>
+        </p:spPr>
+        <p:style>
+          <a:lnRef idx="2">
+            <a:schemeClr val="accent1">
+              <a:shade val="50000"/>
+            </a:schemeClr>
+          </a:lnRef>
+          <a:fillRef idx="1">
+            <a:schemeClr val="accent1"/>
+          </a:fillRef>
+          <a:effectRef idx="0">
+            <a:schemeClr val="accent1"/>
+          </a:effectRef>
+          <a:fontRef idx="minor">
+            <a:schemeClr val="lt1"/>
+          </a:fontRef>
+        </p:style>
+        <p:txBody>
+          <a:bodyPr rtlCol="0" anchor="ctr"/>
+          <a:lstStyle/>
+          <a:p>
+            <a:pPr marL="0" marR="0" lvl="0" indent="0" algn="ctr" defTabSz="914400" rtl="0" eaLnBrk="1" fontAlgn="auto" latinLnBrk="0" hangingPunct="1">
+              <a:lnSpc>
+                <a:spcPct val="100000"/>
+              </a:lnSpc>
+              <a:spcBef>
+                <a:spcPts val="0"/>
+              </a:spcBef>
+              <a:spcAft>
+                <a:spcPts val="0"/>
+              </a:spcAft>
+              <a:buClrTx/>
+              <a:buSzTx/>
+              <a:buFontTx/>
+              <a:buNone/>
+              <a:tabLst/>
+              <a:defRPr/>
+            </a:pPr>
+            <a:endParaRPr kumimoji="0" lang="en-US" sz="1800" b="0" i="0" u="none" strike="noStrike" kern="1200" cap="none" spc="0" normalizeH="0" baseline="0" noProof="0">
+              <a:ln>
+                <a:noFill/>
+              </a:ln>
+              <a:solidFill>
+                <a:prstClr val="white"/>
+              </a:solidFill>
+              <a:effectLst/>
+              <a:uLnTx/>
+              <a:uFillTx/>
+              <a:latin typeface="Calibri" panose="020F0502020204030204"/>
+              <a:ea typeface="+mn-ea"/>
+              <a:cs typeface="+mn-cs"/>
+            </a:endParaRPr>
+          </a:p>
+        </p:txBody>
+      </p:sp>
+      <p:sp>
+        <p:nvSpPr>
+          <p:cNvPr id="28" name="Rectangle 16">
+            <a:extLst>
+              <a:ext uri="{FF2B5EF4-FFF2-40B4-BE49-F238E27FC236}">
+                <a16:creationId xmlns:a16="http://schemas.microsoft.com/office/drawing/2014/main" id="{D5FD337D-4D6B-4C8B-B6F5-121097E09881}"/>
+              </a:ext>
+              <a:ext uri="{C183D7F6-B498-43B3-948B-1728B52AA6E4}">
+                <adec:decorative xmlns:adec="http://schemas.microsoft.com/office/drawing/2017/decorative" val="1"/>
+              </a:ext>
+            </a:extLst>
+          </p:cNvPr>
+          <p:cNvSpPr>
+            <a:spLocks noGrp="1" noRot="1" noChangeAspect="1" noMove="1" noResize="1" noEditPoints="1" noAdjustHandles="1" noChangeArrowheads="1" noChangeShapeType="1" noTextEdit="1"/>
+          </p:cNvSpPr>
+          <p:nvPr>
+            <p:extLst>
+              <p:ext uri="{386F3935-93C4-4BCD-93E2-E3B085C9AB24}">
+                <p16:designElem xmlns:p16="http://schemas.microsoft.com/office/powerpoint/2015/main" val="1"/>
+              </p:ext>
+            </p:extLst>
+          </p:nvPr>
+        </p:nvSpPr>
+        <p:spPr>
+          <a:xfrm rot="5400000">
+            <a:off x="5586984" y="1071836"/>
+            <a:ext cx="1021458" cy="9144"/>
+          </a:xfrm>
+          <a:prstGeom prst="rect">
+            <a:avLst/>
+          </a:prstGeom>
+          <a:solidFill>
+            <a:schemeClr val="tx2">
+              <a:lumMod val="25000"/>
+              <a:lumOff val="75000"/>
+            </a:schemeClr>
+          </a:solidFill>
+          <a:ln w="3175">
+            <a:noFill/>
+          </a:ln>
+          <a:effectLst/>
+        </p:spPr>
+        <p:style>
+          <a:lnRef idx="2">
+            <a:schemeClr val="accent1">
+              <a:shade val="50000"/>
+            </a:schemeClr>
+          </a:lnRef>
+          <a:fillRef idx="1">
+            <a:schemeClr val="accent1"/>
+          </a:fillRef>
+          <a:effectRef idx="0">
+            <a:schemeClr val="accent1"/>
+          </a:effectRef>
+          <a:fontRef idx="minor">
+            <a:schemeClr val="lt1"/>
+          </a:fontRef>
+        </p:style>
+        <p:txBody>
+          <a:bodyPr rtlCol="0" anchor="ctr"/>
+          <a:lstStyle/>
+          <a:p>
+            <a:pPr marL="0" marR="0" lvl="0" indent="0" algn="ctr" defTabSz="914400" rtl="0" eaLnBrk="1" fontAlgn="auto" latinLnBrk="0" hangingPunct="1">
+              <a:lnSpc>
+                <a:spcPct val="100000"/>
+              </a:lnSpc>
+              <a:spcBef>
+                <a:spcPts val="0"/>
+              </a:spcBef>
+              <a:spcAft>
+                <a:spcPts val="0"/>
+              </a:spcAft>
+              <a:buClrTx/>
+              <a:buSzTx/>
+              <a:buFontTx/>
+              <a:buNone/>
+              <a:tabLst/>
+              <a:defRPr/>
+            </a:pPr>
+            <a:endParaRPr kumimoji="0" lang="en-US" sz="1800" b="0" i="0" u="none" strike="noStrike" kern="1200" cap="none" spc="0" normalizeH="0" baseline="0" noProof="0">
+              <a:ln>
+                <a:noFill/>
+              </a:ln>
+              <a:solidFill>
+                <a:prstClr val="white"/>
+              </a:solidFill>
+              <a:effectLst/>
+              <a:uLnTx/>
+              <a:uFillTx/>
+              <a:latin typeface="Calibri" panose="020F0502020204030204"/>
+              <a:ea typeface="+mn-ea"/>
+              <a:cs typeface="+mn-cs"/>
+            </a:endParaRPr>
           </a:p>
         </p:txBody>
       </p:sp>
@@ -1880,26 +2239,48 @@
         </p:blipFill>
         <p:spPr>
           <a:xfrm>
-            <a:off x="6341153" y="625684"/>
-            <a:ext cx="4555242" cy="5455380"/>
+            <a:off x="1508721" y="2091095"/>
+            <a:ext cx="3512210" cy="4206240"/>
           </a:xfrm>
           <a:prstGeom prst="rect">
             <a:avLst/>
           </a:prstGeom>
-          <a:ln w="38100" cap="sq">
-            <a:solidFill>
-              <a:srgbClr val="000000"/>
-            </a:solidFill>
-            <a:prstDash val="solid"/>
-            <a:miter lim="800000"/>
-          </a:ln>
-          <a:effectLst>
-            <a:outerShdw blurRad="50800" dist="38100" dir="2700000" algn="tl" rotWithShape="0">
-              <a:srgbClr val="000000">
-                <a:alpha val="43000"/>
-              </a:srgbClr>
-            </a:outerShdw>
-          </a:effectLst>
+        </p:spPr>
+      </p:pic>
+      <p:pic>
+        <p:nvPicPr>
+          <p:cNvPr id="6" name="Picture 5" descr="A screenshot of a cell phone&#10;&#10;Description automatically generated">
+            <a:extLst>
+              <a:ext uri="{FF2B5EF4-FFF2-40B4-BE49-F238E27FC236}">
+                <a16:creationId xmlns:a16="http://schemas.microsoft.com/office/drawing/2014/main" id="{47476A8C-EAD6-4498-846C-05BACE3F39E1}"/>
+              </a:ext>
+            </a:extLst>
+          </p:cNvPr>
+          <p:cNvPicPr>
+            <a:picLocks noChangeAspect="1"/>
+          </p:cNvPicPr>
+          <p:nvPr/>
+        </p:nvPicPr>
+        <p:blipFill>
+          <a:blip r:embed="rId3">
+            <a:extLst>
+              <a:ext uri="{28A0092B-C50C-407E-A947-70E740481C1C}">
+                <a14:useLocalDpi xmlns:a14="http://schemas.microsoft.com/office/drawing/2010/main" val="0"/>
+              </a:ext>
+            </a:extLst>
+          </a:blip>
+          <a:stretch>
+            <a:fillRect/>
+          </a:stretch>
+        </p:blipFill>
+        <p:spPr>
+          <a:xfrm>
+            <a:off x="6529652" y="3223281"/>
+            <a:ext cx="4668086" cy="2077298"/>
+          </a:xfrm>
+          <a:prstGeom prst="rect">
+            <a:avLst/>
+          </a:prstGeom>
         </p:spPr>
       </p:pic>
     </p:spTree>
@@ -2016,7 +2397,7 @@
           <a:lstStyle/>
           <a:p>
             <a:r>
-              <a:rPr lang="en-US" sz="1100" dirty="0"/>
+              <a:rPr lang="en-US" sz="1400" dirty="0"/>
               <a:t>In this step I have use Python: Matplotlib as my data visualize tool. I have chosen a line chart where the axes and the legend are clearly on the chart.  </a:t>
             </a:r>
           </a:p>
@@ -3045,12 +3426,12 @@
         <p:spPr>
           <a:xfrm>
             <a:off x="371093" y="2652728"/>
-            <a:ext cx="3782617" cy="3272584"/>
+            <a:ext cx="3782617" cy="2874107"/>
           </a:xfrm>
         </p:spPr>
         <p:txBody>
           <a:bodyPr vert="horz" lIns="91440" tIns="45720" rIns="91440" bIns="45720" rtlCol="0" anchor="t">
-            <a:normAutofit/>
+            <a:normAutofit fontScale="32500" lnSpcReduction="20000"/>
           </a:bodyPr>
           <a:lstStyle/>
           <a:p>
@@ -3062,7 +3443,7 @@
               <a:buChar char="•"/>
             </a:pPr>
             <a:r>
-              <a:rPr lang="en-US" sz="900" dirty="0"/>
+              <a:rPr lang="en-US" sz="3200" dirty="0"/>
               <a:t>Bangkok temperature has been consistently increasing every year, the highest recorded was in 2010 and the temperature was 28.54 °C. The lowest recorded was in 1862 at 25.37 °C.    </a:t>
             </a:r>
           </a:p>
@@ -3075,28 +3456,28 @@
               <a:buChar char="•"/>
             </a:pPr>
             <a:r>
-              <a:rPr lang="en-US" sz="900" dirty="0"/>
+              <a:rPr lang="en-US" sz="3200" dirty="0"/>
               <a:t>Global temperature has also been consistently    </a:t>
             </a:r>
             <a:br>
-              <a:rPr lang="en-US" sz="900" dirty="0"/>
+              <a:rPr lang="en-US" sz="3200" dirty="0"/>
             </a:br>
             <a:r>
-              <a:rPr lang="en-US" sz="900" dirty="0"/>
+              <a:rPr lang="en-US" sz="3200" dirty="0"/>
               <a:t> increasing every year. The highest ever been recorded </a:t>
             </a:r>
             <a:br>
-              <a:rPr lang="en-US" sz="900" dirty="0"/>
+              <a:rPr lang="en-US" sz="3200" dirty="0"/>
             </a:br>
             <a:r>
-              <a:rPr lang="en-US" sz="900" dirty="0"/>
+              <a:rPr lang="en-US" sz="3200" dirty="0"/>
               <a:t> was in 2007 at 9.73 °C and the lowest was in 1816 at </a:t>
             </a:r>
             <a:br>
-              <a:rPr lang="en-US" sz="900" dirty="0"/>
+              <a:rPr lang="en-US" sz="3200" dirty="0"/>
             </a:br>
             <a:r>
-              <a:rPr lang="en-US" sz="900" dirty="0"/>
+              <a:rPr lang="en-US" sz="3200" dirty="0"/>
               <a:t> 6.94 °C.</a:t>
             </a:r>
           </a:p>
@@ -3119,22 +3500,8 @@
               <a:buChar char="•"/>
             </a:pPr>
             <a:r>
-              <a:rPr lang="en-US" sz="900" dirty="0"/>
-              <a:t>The similarity between Bangkok’s average temperature </a:t>
-            </a:r>
-            <a:br>
-              <a:rPr lang="en-US" sz="900" dirty="0"/>
-            </a:br>
-            <a:r>
-              <a:rPr lang="en-US" sz="900" dirty="0"/>
-              <a:t> and Global’s average temperature is that it is </a:t>
-            </a:r>
-            <a:br>
-              <a:rPr lang="en-US" sz="900" dirty="0"/>
-            </a:br>
-            <a:r>
-              <a:rPr lang="en-US" sz="900" dirty="0"/>
-              <a:t> consistently increasing over the year.</a:t>
+              <a:rPr lang="en-US" sz="3100" dirty="0"/>
+              <a:t>The similarity between Bangkok’s average temperature and Global’s average temperature is that it is consistently increasing over the year.</a:t>
             </a:r>
           </a:p>
           <a:p>
@@ -3146,50 +3513,29 @@
               <a:buChar char="•"/>
             </a:pPr>
             <a:r>
-              <a:rPr lang="en-US" sz="900" dirty="0"/>
+              <a:rPr lang="en-US" sz="3100" dirty="0"/>
               <a:t> The big difference between both temperature is </a:t>
             </a:r>
             <a:br>
-              <a:rPr lang="en-US" sz="900" dirty="0"/>
+              <a:rPr lang="en-US" sz="3100" dirty="0"/>
             </a:br>
             <a:r>
-              <a:rPr lang="en-US" sz="900" dirty="0"/>
-              <a:t> that Bangkok lies in the tropical latitudes whereas when </a:t>
+              <a:rPr lang="en-US" sz="3100" dirty="0"/>
+              <a:t> that Bangkok lies in the tropical latitudes whereas when researcher calculate for the global average </a:t>
             </a:r>
             <a:br>
-              <a:rPr lang="en-US" sz="900" dirty="0"/>
+              <a:rPr lang="en-US" sz="3100" dirty="0"/>
             </a:br>
             <a:r>
-              <a:rPr lang="en-US" sz="900" dirty="0"/>
-              <a:t> researcher calculate for the global average </a:t>
-            </a:r>
-            <a:br>
-              <a:rPr lang="en-US" sz="900" dirty="0"/>
-            </a:br>
-            <a:r>
-              <a:rPr lang="en-US" sz="900" dirty="0"/>
+              <a:rPr lang="en-US" sz="3100" dirty="0"/>
               <a:t> temperature on a grid weighted by area on the grid </a:t>
             </a:r>
             <a:br>
-              <a:rPr lang="en-US" sz="900" dirty="0"/>
+              <a:rPr lang="en-US" sz="3100" dirty="0"/>
             </a:br>
             <a:r>
-              <a:rPr lang="en-US" sz="900" dirty="0"/>
-              <a:t> point: latitudes further away from the equator have smaller areas   </a:t>
-            </a:r>
-            <a:br>
-              <a:rPr lang="en-US" sz="900" dirty="0"/>
-            </a:br>
-            <a:r>
-              <a:rPr lang="en-US" sz="900" dirty="0"/>
-              <a:t> therefore global temperature is recorded generally low </a:t>
-            </a:r>
-            <a:br>
-              <a:rPr lang="en-US" sz="900" dirty="0"/>
-            </a:br>
-            <a:r>
-              <a:rPr lang="en-US" sz="900" dirty="0"/>
-              <a:t> over year.    </a:t>
+              <a:rPr lang="en-US" sz="3100" dirty="0"/>
+              <a:t> point: latitudes further away from the equator have smaller areas therefore global temperature is recorded generally low over year.    </a:t>
             </a:r>
           </a:p>
         </p:txBody>
